--- a/presentation/SoilScan.pptx
+++ b/presentation/SoilScan.pptx
@@ -23,13 +23,13 @@
   <p:embeddedFontLst>
     <p:embeddedFont>
       <p:font typeface="Maven Pro"/>
-      <p:regular r:id="rId16"/>
+      <p:regular r:id="rId17"/>
     </p:embeddedFont>
     <p:embeddedFont>
       <p:font typeface="Nunito"/>
-      <p:bold r:id="rId17"/>
-      <p:italic r:id="rId18"/>
-      <p:boldItalic r:id="rId19"/>
+      <p:bold r:id="rId18"/>
+      <p:italic r:id="rId19"/>
+      <p:boldItalic r:id="rId20"/>
     </p:embeddedFont>
   </p:embeddedFontLst>
   <p:defaultTextStyle>
@@ -278,6 +278,21 @@
     </p:ext>
   </p:extLst>
 </p:presentation>
+</file>
+
+<file path=ppt/commentAuthors.xml><?xml version="1.0" encoding="utf-8"?>
+<p:cmAuthorLst xmlns:a="http://schemas.openxmlformats.org/drawingml/2006/main" xmlns:r="http://schemas.openxmlformats.org/officeDocument/2006/relationships" xmlns:p="http://schemas.openxmlformats.org/presentationml/2006/main">
+  <p:cmAuthor id="1" name="Unicum_Student" initials="U" lastIdx="1" clrIdx="0"/>
+</p:cmAuthorLst>
+</file>
+
+<file path=ppt/comments/comment1.xml><?xml version="1.0" encoding="utf-8"?>
+<p:cmLst xmlns:a="http://schemas.openxmlformats.org/drawingml/2006/main" xmlns:r="http://schemas.openxmlformats.org/officeDocument/2006/relationships" xmlns:p="http://schemas.openxmlformats.org/presentationml/2006/main">
+  <p:cm authorId="1" dt="2024-05-15T09:22:21.829" idx="1">
+    <p:pos x="10" y="10"/>
+    <p:text/>
+  </p:cm>
+</p:cmLst>
 </file>
 
 <file path=ppt/notesMasters/notesMaster1.xml><?xml version="1.0" encoding="utf-8"?>
@@ -15463,7 +15478,7 @@
             </a:pPr>
             <a:r>
               <a:rPr lang="en-US"/>
-              <a:t>Как можно увидеть по графикам, точность растет, а функция потери становится ниже:</a:t>
+              <a:t>Как можно увидеть по графикам, функция потери становится ниже:</a:t>
             </a:r>
             <a:endParaRPr lang="en-US"/>
           </a:p>
@@ -15580,8 +15595,10 @@
       </p:sp>
       <p:pic>
         <p:nvPicPr>
-          <p:cNvPr id="291" name="Google Shape;291;p15"/>
-          <p:cNvPicPr preferRelativeResize="0"/>
+          <p:cNvPr id="2" name="Изображение 1" descr="загрузка"/>
+          <p:cNvPicPr>
+            <a:picLocks noChangeAspect="1"/>
+          </p:cNvPicPr>
           <p:nvPr/>
         </p:nvPicPr>
         <p:blipFill>
@@ -15592,16 +15609,12 @@
         </p:blipFill>
         <p:spPr>
           <a:xfrm>
-            <a:off x="1421825" y="1641375"/>
-            <a:ext cx="5202726" cy="2419101"/>
+            <a:off x="2877185" y="1490980"/>
+            <a:ext cx="2518410" cy="2513330"/>
           </a:xfrm>
           <a:prstGeom prst="rect">
             <a:avLst/>
           </a:prstGeom>
-          <a:noFill/>
-          <a:ln>
-            <a:noFill/>
-          </a:ln>
         </p:spPr>
       </p:pic>
     </p:spTree>
@@ -15969,7 +15982,15 @@
             </a:pPr>
             <a:r>
               <a:rPr lang="en-US"/>
-              <a:t>Таким образом одной из главных задач проекта становится снижение стоимости анализа плодородности почвы (от 5000 руб.)</a:t>
+              <a:t>Таким образом одной из главных задач проекта становится снижение стоимости анализа плодородности почвы (</a:t>
+            </a:r>
+            <a:r>
+              <a:rPr lang="ru-RU"/>
+              <a:t>сейчас </a:t>
+            </a:r>
+            <a:r>
+              <a:rPr lang="en-US"/>
+              <a:t>от 5000 руб.)</a:t>
             </a:r>
             <a:r>
               <a:rPr lang="en-US"/>
@@ -16442,7 +16463,7 @@
       </p:sp>
       <p:pic>
         <p:nvPicPr>
-          <p:cNvPr id="1" name="Изображение 0" descr="qr-code"/>
+          <p:cNvPr id="7" name="Изображение 6" descr="qr-code"/>
           <p:cNvPicPr>
             <a:picLocks noChangeAspect="1"/>
           </p:cNvPicPr>
@@ -16756,7 +16777,7 @@
         </p:spPr>
         <p:txBody>
           <a:bodyPr spcFirstLastPara="1" wrap="square" lIns="91425" tIns="91425" rIns="91425" bIns="91425" anchor="t" anchorCtr="0">
-            <a:normAutofit/>
+            <a:normAutofit fontScale="90000"/>
           </a:bodyPr>
           <a:lstStyle/>
           <a:p>
@@ -16773,7 +16794,67 @@
               <a:rPr lang="en-US"/>
               <a:t>Спасибо за внимание!</a:t>
             </a:r>
-            <a:endParaRPr lang="en-US"/>
+            <a:br>
+              <a:rPr lang="en-US"/>
+            </a:br>
+            <a:endParaRPr lang="ru-RU"/>
+          </a:p>
+        </p:txBody>
+      </p:sp>
+      <p:pic>
+        <p:nvPicPr>
+          <p:cNvPr id="1" name="Изображение 0" descr="qrcode_github.com"/>
+          <p:cNvPicPr>
+            <a:picLocks noChangeAspect="1"/>
+          </p:cNvPicPr>
+          <p:nvPr/>
+        </p:nvPicPr>
+        <p:blipFill>
+          <a:blip r:embed="rId1"/>
+          <a:stretch>
+            <a:fillRect/>
+          </a:stretch>
+        </p:blipFill>
+        <p:spPr>
+          <a:xfrm>
+            <a:off x="3670300" y="2680970"/>
+            <a:ext cx="1574165" cy="1574165"/>
+          </a:xfrm>
+          <a:prstGeom prst="rect">
+            <a:avLst/>
+          </a:prstGeom>
+        </p:spPr>
+      </p:pic>
+      <p:sp>
+        <p:nvSpPr>
+          <p:cNvPr id="2" name="Текстовое поле 1"/>
+          <p:cNvSpPr txBox="1"/>
+          <p:nvPr/>
+        </p:nvSpPr>
+        <p:spPr>
+          <a:xfrm>
+            <a:off x="2009775" y="3314700"/>
+            <a:ext cx="3048000" cy="306705"/>
+          </a:xfrm>
+          <a:prstGeom prst="rect">
+            <a:avLst/>
+          </a:prstGeom>
+          <a:noFill/>
+        </p:spPr>
+        <p:txBody>
+          <a:bodyPr wrap="square" rtlCol="0">
+            <a:spAutoFit/>
+          </a:bodyPr>
+          <a:p>
+            <a:r>
+              <a:rPr lang="en-US" altLang="ru-RU"/>
+              <a:t>README </a:t>
+            </a:r>
+            <a:r>
+              <a:rPr lang="ru-RU" altLang="ru-RU"/>
+              <a:t>файл:</a:t>
+            </a:r>
+            <a:endParaRPr lang="ru-RU" altLang="ru-RU"/>
           </a:p>
         </p:txBody>
       </p:sp>
